--- a/NESTI/images/logo.pptx
+++ b/NESTI/images/logo.pptx
@@ -6,6 +6,7 @@
   </p:sldMasterIdLst>
   <p:sldIdLst>
     <p:sldId id="256" r:id="rId2"/>
+    <p:sldId id="257" r:id="rId3"/>
   </p:sldIdLst>
   <p:sldSz cx="8999538" cy="3600450"/>
   <p:notesSz cx="6858000" cy="9144000"/>
@@ -112,6 +113,10 @@
 </p:presentation>
 </file>
 
+<file path=ppt/revisionInfo.xml><?xml version="1.0" encoding="utf-8"?>
+<p1510:revInfo xmlns:a="http://schemas.openxmlformats.org/drawingml/2006/main" xmlns:r="http://schemas.openxmlformats.org/officeDocument/2006/relationships" xmlns:p1510="http://schemas.microsoft.com/office/powerpoint/2015/10/main"/>
+</file>
+
 <file path=ppt/slideLayouts/slideLayout1.xml><?xml version="1.0" encoding="utf-8"?>
 <p:sldLayout xmlns:a="http://schemas.openxmlformats.org/drawingml/2006/main" xmlns:r="http://schemas.openxmlformats.org/officeDocument/2006/relationships" xmlns:p="http://schemas.openxmlformats.org/presentationml/2006/main" type="title" preserve="1">
   <p:cSld name="Diapositive de titre">
@@ -243,7 +248,7 @@
           <a:p>
             <a:fld id="{EE1574DC-05F8-4668-AA52-E0D69E34067A}" type="datetimeFigureOut">
               <a:rPr lang="fr-FR" smtClean="0"/>
-              <a:t>29/01/2017</a:t>
+              <a:t>17/05/2017</a:t>
             </a:fld>
             <a:endParaRPr lang="fr-FR"/>
           </a:p>
@@ -413,7 +418,7 @@
           <a:p>
             <a:fld id="{EE1574DC-05F8-4668-AA52-E0D69E34067A}" type="datetimeFigureOut">
               <a:rPr lang="fr-FR" smtClean="0"/>
-              <a:t>29/01/2017</a:t>
+              <a:t>17/05/2017</a:t>
             </a:fld>
             <a:endParaRPr lang="fr-FR"/>
           </a:p>
@@ -593,7 +598,7 @@
           <a:p>
             <a:fld id="{EE1574DC-05F8-4668-AA52-E0D69E34067A}" type="datetimeFigureOut">
               <a:rPr lang="fr-FR" smtClean="0"/>
-              <a:t>29/01/2017</a:t>
+              <a:t>17/05/2017</a:t>
             </a:fld>
             <a:endParaRPr lang="fr-FR"/>
           </a:p>
@@ -763,7 +768,7 @@
           <a:p>
             <a:fld id="{EE1574DC-05F8-4668-AA52-E0D69E34067A}" type="datetimeFigureOut">
               <a:rPr lang="fr-FR" smtClean="0"/>
-              <a:t>29/01/2017</a:t>
+              <a:t>17/05/2017</a:t>
             </a:fld>
             <a:endParaRPr lang="fr-FR"/>
           </a:p>
@@ -1009,7 +1014,7 @@
           <a:p>
             <a:fld id="{EE1574DC-05F8-4668-AA52-E0D69E34067A}" type="datetimeFigureOut">
               <a:rPr lang="fr-FR" smtClean="0"/>
-              <a:t>29/01/2017</a:t>
+              <a:t>17/05/2017</a:t>
             </a:fld>
             <a:endParaRPr lang="fr-FR"/>
           </a:p>
@@ -1241,7 +1246,7 @@
           <a:p>
             <a:fld id="{EE1574DC-05F8-4668-AA52-E0D69E34067A}" type="datetimeFigureOut">
               <a:rPr lang="fr-FR" smtClean="0"/>
-              <a:t>29/01/2017</a:t>
+              <a:t>17/05/2017</a:t>
             </a:fld>
             <a:endParaRPr lang="fr-FR"/>
           </a:p>
@@ -1608,7 +1613,7 @@
           <a:p>
             <a:fld id="{EE1574DC-05F8-4668-AA52-E0D69E34067A}" type="datetimeFigureOut">
               <a:rPr lang="fr-FR" smtClean="0"/>
-              <a:t>29/01/2017</a:t>
+              <a:t>17/05/2017</a:t>
             </a:fld>
             <a:endParaRPr lang="fr-FR"/>
           </a:p>
@@ -1726,7 +1731,7 @@
           <a:p>
             <a:fld id="{EE1574DC-05F8-4668-AA52-E0D69E34067A}" type="datetimeFigureOut">
               <a:rPr lang="fr-FR" smtClean="0"/>
-              <a:t>29/01/2017</a:t>
+              <a:t>17/05/2017</a:t>
             </a:fld>
             <a:endParaRPr lang="fr-FR"/>
           </a:p>
@@ -1821,7 +1826,7 @@
           <a:p>
             <a:fld id="{EE1574DC-05F8-4668-AA52-E0D69E34067A}" type="datetimeFigureOut">
               <a:rPr lang="fr-FR" smtClean="0"/>
-              <a:t>29/01/2017</a:t>
+              <a:t>17/05/2017</a:t>
             </a:fld>
             <a:endParaRPr lang="fr-FR"/>
           </a:p>
@@ -2098,7 +2103,7 @@
           <a:p>
             <a:fld id="{EE1574DC-05F8-4668-AA52-E0D69E34067A}" type="datetimeFigureOut">
               <a:rPr lang="fr-FR" smtClean="0"/>
-              <a:t>29/01/2017</a:t>
+              <a:t>17/05/2017</a:t>
             </a:fld>
             <a:endParaRPr lang="fr-FR"/>
           </a:p>
@@ -2355,7 +2360,7 @@
           <a:p>
             <a:fld id="{EE1574DC-05F8-4668-AA52-E0D69E34067A}" type="datetimeFigureOut">
               <a:rPr lang="fr-FR" smtClean="0"/>
-              <a:t>29/01/2017</a:t>
+              <a:t>17/05/2017</a:t>
             </a:fld>
             <a:endParaRPr lang="fr-FR"/>
           </a:p>
@@ -2568,7 +2573,7 @@
           <a:p>
             <a:fld id="{EE1574DC-05F8-4668-AA52-E0D69E34067A}" type="datetimeFigureOut">
               <a:rPr lang="fr-FR" smtClean="0"/>
-              <a:t>29/01/2017</a:t>
+              <a:t>17/05/2017</a:t>
             </a:fld>
             <a:endParaRPr lang="fr-FR"/>
           </a:p>
@@ -3148,6 +3153,169 @@
 </p:sld>
 </file>
 
+<file path=ppt/slides/slide2.xml><?xml version="1.0" encoding="utf-8"?>
+<p:sld xmlns:a="http://schemas.openxmlformats.org/drawingml/2006/main" xmlns:r="http://schemas.openxmlformats.org/officeDocument/2006/relationships" xmlns:p="http://schemas.openxmlformats.org/presentationml/2006/main">
+  <p:cSld>
+    <p:spTree>
+      <p:nvGrpSpPr>
+        <p:cNvPr id="1" name=""/>
+        <p:cNvGrpSpPr/>
+        <p:nvPr/>
+      </p:nvGrpSpPr>
+      <p:grpSpPr>
+        <a:xfrm>
+          <a:off x="0" y="0"/>
+          <a:ext cx="0" cy="0"/>
+          <a:chOff x="0" y="0"/>
+          <a:chExt cx="0" cy="0"/>
+        </a:xfrm>
+      </p:grpSpPr>
+      <p:pic>
+        <p:nvPicPr>
+          <p:cNvPr id="7" name="Image 6"/>
+          <p:cNvPicPr>
+            <a:picLocks noChangeAspect="1"/>
+          </p:cNvPicPr>
+          <p:nvPr/>
+        </p:nvPicPr>
+        <p:blipFill rotWithShape="1">
+          <a:blip r:embed="rId2">
+            <a:extLst>
+              <a:ext uri="{28A0092B-C50C-407E-A947-70E740481C1C}">
+                <a14:useLocalDpi xmlns:a14="http://schemas.microsoft.com/office/drawing/2010/main" val="0"/>
+              </a:ext>
+            </a:extLst>
+          </a:blip>
+          <a:srcRect l="38211" t="29736" r="38212" b="29736"/>
+          <a:stretch/>
+        </p:blipFill>
+        <p:spPr>
+          <a:xfrm>
+            <a:off x="3770900" y="1070626"/>
+            <a:ext cx="1457736" cy="1459197"/>
+          </a:xfrm>
+          <a:prstGeom prst="rect">
+            <a:avLst/>
+          </a:prstGeom>
+          <a:effectLst>
+            <a:glow rad="228600">
+              <a:schemeClr val="accent3">
+                <a:satMod val="175000"/>
+                <a:alpha val="40000"/>
+              </a:schemeClr>
+            </a:glow>
+          </a:effectLst>
+        </p:spPr>
+      </p:pic>
+      <p:sp>
+        <p:nvSpPr>
+          <p:cNvPr id="2" name="Rectangle 1"/>
+          <p:cNvSpPr/>
+          <p:nvPr/>
+        </p:nvSpPr>
+        <p:spPr>
+          <a:xfrm>
+            <a:off x="3885968" y="1186615"/>
+            <a:ext cx="1227600" cy="1227221"/>
+          </a:xfrm>
+          <a:prstGeom prst="rect">
+            <a:avLst/>
+          </a:prstGeom>
+          <a:noFill/>
+          <a:ln>
+            <a:solidFill>
+              <a:schemeClr val="bg1"/>
+            </a:solidFill>
+          </a:ln>
+        </p:spPr>
+        <p:style>
+          <a:lnRef idx="2">
+            <a:schemeClr val="accent1">
+              <a:shade val="50000"/>
+            </a:schemeClr>
+          </a:lnRef>
+          <a:fillRef idx="1">
+            <a:schemeClr val="accent1"/>
+          </a:fillRef>
+          <a:effectRef idx="0">
+            <a:schemeClr val="accent1"/>
+          </a:effectRef>
+          <a:fontRef idx="minor">
+            <a:schemeClr val="lt1"/>
+          </a:fontRef>
+        </p:style>
+        <p:txBody>
+          <a:bodyPr rtlCol="0" anchor="ctr"/>
+          <a:lstStyle/>
+          <a:p>
+            <a:pPr algn="ctr"/>
+            <a:endParaRPr lang="fr-FR"/>
+          </a:p>
+        </p:txBody>
+      </p:sp>
+      <p:sp>
+        <p:nvSpPr>
+          <p:cNvPr id="3" name="Rectangle 2"/>
+          <p:cNvSpPr/>
+          <p:nvPr/>
+        </p:nvSpPr>
+        <p:spPr>
+          <a:xfrm>
+            <a:off x="3903291" y="1446282"/>
+            <a:ext cx="1192954" cy="707886"/>
+          </a:xfrm>
+          <a:prstGeom prst="rect">
+            <a:avLst/>
+          </a:prstGeom>
+          <a:noFill/>
+          <a:ln>
+            <a:noFill/>
+          </a:ln>
+          <a:effectLst>
+            <a:outerShdw blurRad="50800" dir="5400000" algn="t" rotWithShape="0">
+              <a:schemeClr val="bg1">
+                <a:lumMod val="50000"/>
+                <a:alpha val="38000"/>
+              </a:schemeClr>
+            </a:outerShdw>
+          </a:effectLst>
+        </p:spPr>
+        <p:txBody>
+          <a:bodyPr wrap="none" lIns="91440" tIns="45720" rIns="91440" bIns="45720">
+            <a:spAutoFit/>
+          </a:bodyPr>
+          <a:lstStyle/>
+          <a:p>
+            <a:pPr algn="ctr"/>
+            <a:r>
+              <a:rPr lang="fr-FR" sz="4000" cap="none" spc="0" dirty="0">
+                <a:ln w="3175">
+                  <a:noFill/>
+                  <a:prstDash val="solid"/>
+                </a:ln>
+                <a:solidFill>
+                  <a:srgbClr val="FFFFFF"/>
+                </a:solidFill>
+                <a:latin typeface="Lobster 1.4" panose="02000506000000020003" pitchFamily="50" charset="0"/>
+              </a:rPr>
+              <a:t>Nesti</a:t>
+            </a:r>
+          </a:p>
+        </p:txBody>
+      </p:sp>
+    </p:spTree>
+    <p:extLst>
+      <p:ext uri="{BB962C8B-B14F-4D97-AF65-F5344CB8AC3E}">
+        <p14:creationId xmlns:p14="http://schemas.microsoft.com/office/powerpoint/2010/main" val="3450668981"/>
+      </p:ext>
+    </p:extLst>
+  </p:cSld>
+  <p:clrMapOvr>
+    <a:masterClrMapping/>
+  </p:clrMapOvr>
+</p:sld>
+</file>
+
 <file path=ppt/theme/theme1.xml><?xml version="1.0" encoding="utf-8"?>
 <a:theme xmlns:a="http://schemas.openxmlformats.org/drawingml/2006/main" name="Thème Office">
   <a:themeElements>
